--- a/file/iclr2020-qg.pptx
+++ b/file/iclr2020-qg.pptx
@@ -229,7 +229,7 @@
           <a:p>
             <a:fld id="{BF8EFA63-31BF-A249-9AC6-2EEE77A4338F}" type="datetimeFigureOut">
               <a:rPr lang="en-US" smtClean="0"/>
-              <a:t>4/28/20</a:t>
+              <a:t>1/2/21</a:t>
             </a:fld>
             <a:endParaRPr lang="en-US"/>
           </a:p>
@@ -830,94 +830,6 @@
           <a:bodyPr/>
           <a:lstStyle/>
           <a:p>
-            <a:pPr marL="0" marR="0" lvl="0" indent="0" algn="l" defTabSz="914400" rtl="0" eaLnBrk="1" fontAlgn="auto" latinLnBrk="0" hangingPunct="1">
-              <a:lnSpc>
-                <a:spcPct val="100000"/>
-              </a:lnSpc>
-              <a:spcBef>
-                <a:spcPts val="0"/>
-              </a:spcBef>
-              <a:spcAft>
-                <a:spcPts val="0"/>
-              </a:spcAft>
-              <a:buClrTx/>
-              <a:buSzTx/>
-              <a:buFontTx/>
-              <a:buNone/>
-              <a:tabLst/>
-              <a:defRPr/>
-            </a:pPr>
-            <a:r>
-              <a:rPr lang="en-US" sz="1200" kern="1200" dirty="0">
-                <a:solidFill>
-                  <a:schemeClr val="tx1"/>
-                </a:solidFill>
-                <a:effectLst/>
-                <a:latin typeface="+mn-lt"/>
-                <a:ea typeface="+mn-ea"/>
-                <a:cs typeface="+mn-cs"/>
-              </a:rPr>
-              <a:t>To effectively learn the graph embeddings from the constructed text graph, we propose a novel Bidirectional Gated Graph Neural Network (</a:t>
-            </a:r>
-            <a:r>
-              <a:rPr lang="en-US" sz="1200" kern="1200" dirty="0" err="1">
-                <a:solidFill>
-                  <a:schemeClr val="tx1"/>
-                </a:solidFill>
-                <a:effectLst/>
-                <a:latin typeface="+mn-lt"/>
-                <a:ea typeface="+mn-ea"/>
-                <a:cs typeface="+mn-cs"/>
-              </a:rPr>
-              <a:t>BiGGNN</a:t>
-            </a:r>
-            <a:r>
-              <a:rPr lang="en-US" sz="1200" kern="1200" dirty="0">
-                <a:solidFill>
-                  <a:schemeClr val="tx1"/>
-                </a:solidFill>
-                <a:effectLst/>
-                <a:latin typeface="+mn-lt"/>
-                <a:ea typeface="+mn-ea"/>
-                <a:cs typeface="+mn-cs"/>
-              </a:rPr>
-              <a:t>) which extends Gated Graph Sequence Neural Networks (Li et al., 2015) by learning node embeddings from both incoming and outgoing edges in an interleaved fashion when processing the directed passage graph. </a:t>
-            </a:r>
-            <a:endParaRPr lang="en-US" dirty="0"/>
-          </a:p>
-          <a:p>
-            <a:pPr marL="0" marR="0" lvl="0" indent="0" algn="l" defTabSz="914400" rtl="0" eaLnBrk="1" fontAlgn="auto" latinLnBrk="0" hangingPunct="1">
-              <a:lnSpc>
-                <a:spcPct val="100000"/>
-              </a:lnSpc>
-              <a:spcBef>
-                <a:spcPts val="0"/>
-              </a:spcBef>
-              <a:spcAft>
-                <a:spcPts val="0"/>
-              </a:spcAft>
-              <a:buClrTx/>
-              <a:buSzTx/>
-              <a:buFontTx/>
-              <a:buNone/>
-              <a:tabLst/>
-              <a:defRPr/>
-            </a:pPr>
-            <a:r>
-              <a:rPr lang="en-US" sz="1200" kern="1200" dirty="0">
-                <a:solidFill>
-                  <a:schemeClr val="tx1"/>
-                </a:solidFill>
-                <a:effectLst/>
-                <a:latin typeface="+mn-lt"/>
-                <a:ea typeface="+mn-ea"/>
-                <a:cs typeface="+mn-cs"/>
-              </a:rPr>
-              <a:t>we fuse the intermediate node embeddings from both incoming and outgoing directions in every iteration </a:t>
-            </a:r>
-            <a:endParaRPr lang="en-US" dirty="0"/>
-          </a:p>
-          <a:p>
             <a:endParaRPr lang="en-US" dirty="0"/>
           </a:p>
         </p:txBody>
@@ -1114,270 +1026,9 @@
               <a:tabLst/>
               <a:defRPr/>
             </a:pPr>
-            <a:r>
-              <a:rPr lang="en-US" sz="1200" kern="1200" dirty="0">
-                <a:solidFill>
-                  <a:schemeClr val="tx1"/>
-                </a:solidFill>
-                <a:effectLst/>
-                <a:latin typeface="+mn-lt"/>
-                <a:ea typeface="+mn-ea"/>
-                <a:cs typeface="+mn-cs"/>
-              </a:rPr>
-              <a:t>It has been observed that optimizing such cross-entropy based training objectives for sequence learn- </a:t>
-            </a:r>
-            <a:r>
-              <a:rPr lang="en-US" sz="1200" kern="1200" dirty="0" err="1">
-                <a:solidFill>
-                  <a:schemeClr val="tx1"/>
-                </a:solidFill>
-                <a:effectLst/>
-                <a:latin typeface="+mn-lt"/>
-                <a:ea typeface="+mn-ea"/>
-                <a:cs typeface="+mn-cs"/>
-              </a:rPr>
-              <a:t>ing</a:t>
-            </a:r>
-            <a:r>
-              <a:rPr lang="en-US" sz="1200" kern="1200" dirty="0">
-                <a:solidFill>
-                  <a:schemeClr val="tx1"/>
-                </a:solidFill>
-                <a:effectLst/>
-                <a:latin typeface="+mn-lt"/>
-                <a:ea typeface="+mn-ea"/>
-                <a:cs typeface="+mn-cs"/>
-              </a:rPr>
-              <a:t> does not always produce the best results on discrete evaluation metrics </a:t>
-            </a:r>
-            <a:endParaRPr lang="en-US" dirty="0"/>
-          </a:p>
-          <a:p>
-            <a:pPr marL="0" marR="0" lvl="0" indent="0" algn="l" defTabSz="914400" rtl="0" eaLnBrk="1" fontAlgn="auto" latinLnBrk="0" hangingPunct="1">
-              <a:lnSpc>
-                <a:spcPct val="100000"/>
-              </a:lnSpc>
-              <a:spcBef>
-                <a:spcPts val="0"/>
-              </a:spcBef>
-              <a:spcAft>
-                <a:spcPts val="0"/>
-              </a:spcAft>
-              <a:buClrTx/>
-              <a:buSzTx/>
-              <a:buFontTx/>
-              <a:buNone/>
-              <a:tabLst/>
-              <a:defRPr/>
-            </a:pPr>
-            <a:r>
-              <a:rPr lang="en-US" sz="1200" kern="1200" dirty="0">
-                <a:solidFill>
-                  <a:schemeClr val="tx1"/>
-                </a:solidFill>
-                <a:effectLst/>
-                <a:latin typeface="+mn-lt"/>
-                <a:ea typeface="+mn-ea"/>
-                <a:cs typeface="+mn-cs"/>
-              </a:rPr>
-              <a:t>Major limitations of this strategy include exposure bias and evaluation discrepancy between training and testing. </a:t>
-            </a:r>
-            <a:endParaRPr lang="en-US" dirty="0"/>
-          </a:p>
-          <a:p>
-            <a:pPr marL="0" marR="0" lvl="0" indent="0" algn="l" defTabSz="914400" rtl="0" eaLnBrk="1" fontAlgn="auto" latinLnBrk="0" hangingPunct="1">
-              <a:lnSpc>
-                <a:spcPct val="100000"/>
-              </a:lnSpc>
-              <a:spcBef>
-                <a:spcPts val="0"/>
-              </a:spcBef>
-              <a:spcAft>
-                <a:spcPts val="0"/>
-              </a:spcAft>
-              <a:buClrTx/>
-              <a:buSzTx/>
-              <a:buFontTx/>
-              <a:buNone/>
-              <a:tabLst/>
-              <a:defRPr/>
-            </a:pPr>
-            <a:r>
-              <a:rPr lang="en-US" sz="1200" kern="1200" dirty="0">
-                <a:solidFill>
-                  <a:schemeClr val="tx1"/>
-                </a:solidFill>
-                <a:effectLst/>
-                <a:latin typeface="+mn-lt"/>
-                <a:ea typeface="+mn-ea"/>
-                <a:cs typeface="+mn-cs"/>
-              </a:rPr>
-              <a:t>To tackle these issues, some recent QG approaches (Song et al., 2017; Kumar et al., 2018b) directly optimize evaluation metrics using REINFORCE. We further use a mixed objective function with both cro</a:t>
-            </a:r>
-            <a:r>
-              <a:rPr lang="en-US" altLang="zh-CN" sz="1200" kern="1200" dirty="0">
-                <a:solidFill>
-                  <a:schemeClr val="tx1"/>
-                </a:solidFill>
-                <a:effectLst/>
-                <a:latin typeface="+mn-lt"/>
-                <a:ea typeface="+mn-ea"/>
-                <a:cs typeface="+mn-cs"/>
-              </a:rPr>
-              <a:t>ss-entropy</a:t>
-            </a:r>
-            <a:r>
-              <a:rPr lang="zh-CN" altLang="en-US" sz="1200" kern="1200" dirty="0">
-                <a:solidFill>
-                  <a:schemeClr val="tx1"/>
-                </a:solidFill>
-                <a:effectLst/>
-                <a:latin typeface="+mn-lt"/>
-                <a:ea typeface="+mn-ea"/>
-                <a:cs typeface="+mn-cs"/>
-              </a:rPr>
-              <a:t> </a:t>
-            </a:r>
-            <a:r>
-              <a:rPr lang="en-US" altLang="zh-CN" sz="1200" kern="1200" dirty="0">
-                <a:solidFill>
-                  <a:schemeClr val="tx1"/>
-                </a:solidFill>
-                <a:effectLst/>
-                <a:latin typeface="+mn-lt"/>
-                <a:ea typeface="+mn-ea"/>
-                <a:cs typeface="+mn-cs"/>
-              </a:rPr>
-              <a:t>and</a:t>
-            </a:r>
-            <a:r>
-              <a:rPr lang="zh-CN" altLang="en-US" sz="1200" kern="1200" dirty="0">
-                <a:solidFill>
-                  <a:schemeClr val="tx1"/>
-                </a:solidFill>
-                <a:effectLst/>
-                <a:latin typeface="+mn-lt"/>
-                <a:ea typeface="+mn-ea"/>
-                <a:cs typeface="+mn-cs"/>
-              </a:rPr>
-              <a:t> </a:t>
-            </a:r>
-            <a:r>
-              <a:rPr lang="en-US" altLang="zh-CN" sz="1200" kern="1200" dirty="0">
-                <a:solidFill>
-                  <a:schemeClr val="tx1"/>
-                </a:solidFill>
-                <a:effectLst/>
-                <a:latin typeface="+mn-lt"/>
-                <a:ea typeface="+mn-ea"/>
-                <a:cs typeface="+mn-cs"/>
-              </a:rPr>
-              <a:t>RL</a:t>
-            </a:r>
-            <a:r>
-              <a:rPr lang="zh-CN" altLang="en-US" sz="1200" kern="1200" dirty="0">
-                <a:solidFill>
-                  <a:schemeClr val="tx1"/>
-                </a:solidFill>
-                <a:effectLst/>
-                <a:latin typeface="+mn-lt"/>
-                <a:ea typeface="+mn-ea"/>
-                <a:cs typeface="+mn-cs"/>
-              </a:rPr>
-              <a:t> </a:t>
-            </a:r>
-            <a:r>
-              <a:rPr lang="en-US" altLang="zh-CN" sz="1200" kern="1200" dirty="0">
-                <a:solidFill>
-                  <a:schemeClr val="tx1"/>
-                </a:solidFill>
-                <a:effectLst/>
-                <a:latin typeface="+mn-lt"/>
-                <a:ea typeface="+mn-ea"/>
-                <a:cs typeface="+mn-cs"/>
-              </a:rPr>
-              <a:t>loss</a:t>
-            </a:r>
-            <a:r>
-              <a:rPr lang="zh-CN" altLang="en-US" sz="1200" kern="1200" dirty="0">
-                <a:solidFill>
-                  <a:schemeClr val="tx1"/>
-                </a:solidFill>
-                <a:effectLst/>
-                <a:latin typeface="+mn-lt"/>
-                <a:ea typeface="+mn-ea"/>
-                <a:cs typeface="+mn-cs"/>
-              </a:rPr>
-              <a:t> </a:t>
-            </a:r>
-            <a:r>
-              <a:rPr lang="en-US" sz="1200" kern="1200" dirty="0">
-                <a:solidFill>
-                  <a:schemeClr val="tx1"/>
-                </a:solidFill>
-                <a:effectLst/>
-                <a:latin typeface="+mn-lt"/>
-                <a:ea typeface="+mn-ea"/>
-                <a:cs typeface="+mn-cs"/>
-              </a:rPr>
-              <a:t>for guiding text generation. </a:t>
-            </a:r>
-            <a:endParaRPr lang="en-US" dirty="0"/>
-          </a:p>
-          <a:p>
             <a:endParaRPr lang="en-US" dirty="0">
               <a:effectLst/>
             </a:endParaRPr>
-          </a:p>
-          <a:p>
-            <a:endParaRPr lang="en-US" dirty="0">
-              <a:effectLst/>
-            </a:endParaRPr>
-          </a:p>
-          <a:p>
-            <a:endParaRPr lang="en-US" dirty="0">
-              <a:effectLst/>
-            </a:endParaRPr>
-          </a:p>
-          <a:p>
-            <a:r>
-              <a:rPr lang="en-US" dirty="0">
-                <a:effectLst/>
-              </a:rPr>
-              <a:t>RL algorithm</a:t>
-            </a:r>
-          </a:p>
-          <a:p>
-            <a:r>
-              <a:rPr lang="en-US" dirty="0">
-                <a:effectLst/>
-              </a:rPr>
-              <a:t>- self-critical sequence training (SCST) algorithm</a:t>
-            </a:r>
-          </a:p>
-          <a:p>
-            <a:r>
-              <a:rPr lang="en-US" dirty="0">
-                <a:effectLst/>
-              </a:rPr>
-              <a:t>- efficient, utilizes the output of its own test-time inference algorithm to normalize the rewards it experiences</a:t>
-            </a:r>
-          </a:p>
-          <a:p>
-            <a:r>
-              <a:rPr lang="en-US" dirty="0">
-                <a:effectLst/>
-              </a:rPr>
-              <a:t>- two outputs:  the sampled output produced by multinomial sampling &amp; baseline output produced by greedy search</a:t>
-            </a:r>
-          </a:p>
-          <a:p>
-            <a:r>
-              <a:rPr lang="en-US" dirty="0">
-                <a:effectLst/>
-              </a:rPr>
-              <a:t>- if the sampled output has a higher reward than the baseline one, we maximize its likelihood, and vice versa.</a:t>
-            </a:r>
           </a:p>
         </p:txBody>
       </p:sp>
@@ -1461,112 +1112,6 @@
           <a:bodyPr/>
           <a:lstStyle/>
           <a:p>
-            <a:pPr marL="0" marR="0" lvl="0" indent="0" algn="l" defTabSz="914400" rtl="0" eaLnBrk="1" fontAlgn="auto" latinLnBrk="0" hangingPunct="1">
-              <a:lnSpc>
-                <a:spcPct val="100000"/>
-              </a:lnSpc>
-              <a:spcBef>
-                <a:spcPts val="0"/>
-              </a:spcBef>
-              <a:spcAft>
-                <a:spcPts val="0"/>
-              </a:spcAft>
-              <a:buClrTx/>
-              <a:buSzTx/>
-              <a:buFontTx/>
-              <a:buNone/>
-              <a:tabLst/>
-              <a:defRPr/>
-            </a:pPr>
-            <a:r>
-              <a:rPr lang="en-US" sz="1200" kern="1200" dirty="0" err="1">
-                <a:solidFill>
-                  <a:schemeClr val="tx1"/>
-                </a:solidFill>
-                <a:effectLst/>
-                <a:latin typeface="+mn-lt"/>
-                <a:ea typeface="+mn-ea"/>
-                <a:cs typeface="+mn-cs"/>
-              </a:rPr>
-              <a:t>SQuAD</a:t>
-            </a:r>
-            <a:r>
-              <a:rPr lang="en-US" sz="1200" kern="1200" dirty="0">
-                <a:solidFill>
-                  <a:schemeClr val="tx1"/>
-                </a:solidFill>
-                <a:effectLst/>
-                <a:latin typeface="+mn-lt"/>
-                <a:ea typeface="+mn-ea"/>
-                <a:cs typeface="+mn-cs"/>
-              </a:rPr>
-              <a:t> contains more than 100K questions posed by crowd workers on 536 Wikipedia articles. Since the test set of the original </a:t>
-            </a:r>
-            <a:r>
-              <a:rPr lang="en-US" sz="1200" kern="1200" dirty="0" err="1">
-                <a:solidFill>
-                  <a:schemeClr val="tx1"/>
-                </a:solidFill>
-                <a:effectLst/>
-                <a:latin typeface="+mn-lt"/>
-                <a:ea typeface="+mn-ea"/>
-                <a:cs typeface="+mn-cs"/>
-              </a:rPr>
-              <a:t>SQuAD</a:t>
-            </a:r>
-            <a:r>
-              <a:rPr lang="en-US" sz="1200" kern="1200" dirty="0">
-                <a:solidFill>
-                  <a:schemeClr val="tx1"/>
-                </a:solidFill>
-                <a:effectLst/>
-                <a:latin typeface="+mn-lt"/>
-                <a:ea typeface="+mn-ea"/>
-                <a:cs typeface="+mn-cs"/>
-              </a:rPr>
-              <a:t> is not publicly available, the accessible parts (90%) are used as the entire dataset in our experiments. For fair comparison with previous methods, we evaluated our model on both data split-1 (Song et al., 2018a)1 that contains 75,500/17,934/11,805 (train/development/test) examples and data split-2 (Zhou et al., 2017) 2 that contains 86,635/8,965/8,964 examples. </a:t>
-            </a:r>
-            <a:endParaRPr lang="en-US" dirty="0"/>
-          </a:p>
-          <a:p>
-            <a:endParaRPr lang="en-US" dirty="0"/>
-          </a:p>
-          <a:p>
-            <a:endParaRPr lang="en-US" dirty="0"/>
-          </a:p>
-          <a:p>
-            <a:pPr marL="0" marR="0" lvl="0" indent="0" algn="l" defTabSz="914400" rtl="0" eaLnBrk="1" fontAlgn="auto" latinLnBrk="0" hangingPunct="1">
-              <a:lnSpc>
-                <a:spcPct val="100000"/>
-              </a:lnSpc>
-              <a:spcBef>
-                <a:spcPts val="0"/>
-              </a:spcBef>
-              <a:spcAft>
-                <a:spcPts val="0"/>
-              </a:spcAft>
-              <a:buClrTx/>
-              <a:buSzTx/>
-              <a:buFontTx/>
-              <a:buNone/>
-              <a:tabLst/>
-              <a:defRPr/>
-            </a:pPr>
-            <a:r>
-              <a:rPr lang="en-US" sz="1200" kern="1200" dirty="0">
-                <a:solidFill>
-                  <a:schemeClr val="tx1"/>
-                </a:solidFill>
-                <a:effectLst/>
-                <a:latin typeface="+mn-lt"/>
-                <a:ea typeface="+mn-ea"/>
-                <a:cs typeface="+mn-cs"/>
-              </a:rPr>
-              <a:t>Initially, BLEU-4 and METEOR were designed for evaluating machine translation systems and ROUGE-L was designed for evaluating text summarization systems. Recently, Q-BLEU1 was de- signed for better evaluating question generation systems, which was shown to correlate significantly better with human judgments compared to existing metrics. </a:t>
-            </a:r>
-            <a:endParaRPr lang="en-US" dirty="0"/>
-          </a:p>
-          <a:p>
             <a:endParaRPr lang="en-US" dirty="0"/>
           </a:p>
         </p:txBody>
@@ -1651,151 +1196,6 @@
           <a:bodyPr/>
           <a:lstStyle/>
           <a:p>
-            <a:pPr marL="0" marR="0" lvl="0" indent="0" algn="l" defTabSz="914400" rtl="0" eaLnBrk="1" fontAlgn="auto" latinLnBrk="0" hangingPunct="1">
-              <a:lnSpc>
-                <a:spcPct val="100000"/>
-              </a:lnSpc>
-              <a:spcBef>
-                <a:spcPts val="0"/>
-              </a:spcBef>
-              <a:spcAft>
-                <a:spcPts val="0"/>
-              </a:spcAft>
-              <a:buClrTx/>
-              <a:buSzTx/>
-              <a:buFontTx/>
-              <a:buNone/>
-              <a:tabLst/>
-              <a:defRPr/>
-            </a:pPr>
-            <a:r>
-              <a:rPr lang="en-US" sz="1200" kern="1200" dirty="0">
-                <a:solidFill>
-                  <a:schemeClr val="tx1"/>
-                </a:solidFill>
-                <a:effectLst/>
-                <a:latin typeface="+mn-lt"/>
-                <a:ea typeface="+mn-ea"/>
-                <a:cs typeface="+mn-cs"/>
-              </a:rPr>
-              <a:t>we can see that both of our full models G2Ssta+BERT+RL and G2Sdyn+BERT+RL achieve the new state-of-the-art scores on both data splits and consistently outperform previous methods by a significant margin. </a:t>
-            </a:r>
-          </a:p>
-          <a:p>
-            <a:pPr marL="0" marR="0" lvl="0" indent="0" algn="l" defTabSz="914400" rtl="0" eaLnBrk="1" fontAlgn="auto" latinLnBrk="0" hangingPunct="1">
-              <a:lnSpc>
-                <a:spcPct val="100000"/>
-              </a:lnSpc>
-              <a:spcBef>
-                <a:spcPts val="0"/>
-              </a:spcBef>
-              <a:spcAft>
-                <a:spcPts val="0"/>
-              </a:spcAft>
-              <a:buClrTx/>
-              <a:buSzTx/>
-              <a:buFontTx/>
-              <a:buNone/>
-              <a:tabLst/>
-              <a:defRPr/>
-            </a:pPr>
-            <a:r>
-              <a:rPr lang="en-US" sz="1200" kern="1200" dirty="0">
-                <a:solidFill>
-                  <a:schemeClr val="tx1"/>
-                </a:solidFill>
-                <a:effectLst/>
-                <a:latin typeface="+mn-lt"/>
-                <a:ea typeface="+mn-ea"/>
-                <a:cs typeface="+mn-cs"/>
-              </a:rPr>
-              <a:t>This highlights that our RL-based Graph2Seq model, together with the deep alignment network, successfully addresses the three issues we highlighted in Sec. 1. </a:t>
-            </a:r>
-          </a:p>
-          <a:p>
-            <a:pPr marL="0" marR="0" lvl="0" indent="0" algn="l" defTabSz="914400" rtl="0" eaLnBrk="1" fontAlgn="auto" latinLnBrk="0" hangingPunct="1">
-              <a:lnSpc>
-                <a:spcPct val="100000"/>
-              </a:lnSpc>
-              <a:spcBef>
-                <a:spcPts val="0"/>
-              </a:spcBef>
-              <a:spcAft>
-                <a:spcPts val="0"/>
-              </a:spcAft>
-              <a:buClrTx/>
-              <a:buSzTx/>
-              <a:buFontTx/>
-              <a:buNone/>
-              <a:tabLst/>
-              <a:defRPr/>
-            </a:pPr>
-            <a:r>
-              <a:rPr lang="en-US" sz="1200" kern="1200" dirty="0">
-                <a:solidFill>
-                  <a:schemeClr val="tx1"/>
-                </a:solidFill>
-                <a:effectLst/>
-                <a:latin typeface="+mn-lt"/>
-                <a:ea typeface="+mn-ea"/>
-                <a:cs typeface="+mn-cs"/>
-              </a:rPr>
-              <a:t>Between these two variants, G2Ssta+BERT+RL outperforms G2Sdyn+BERT+RL on all the metrics. </a:t>
-            </a:r>
-          </a:p>
-          <a:p>
-            <a:pPr marL="0" marR="0" lvl="0" indent="0" algn="l" defTabSz="914400" rtl="0" eaLnBrk="1" fontAlgn="auto" latinLnBrk="0" hangingPunct="1">
-              <a:lnSpc>
-                <a:spcPct val="100000"/>
-              </a:lnSpc>
-              <a:spcBef>
-                <a:spcPts val="0"/>
-              </a:spcBef>
-              <a:spcAft>
-                <a:spcPts val="0"/>
-              </a:spcAft>
-              <a:buClrTx/>
-              <a:buSzTx/>
-              <a:buFontTx/>
-              <a:buNone/>
-              <a:tabLst/>
-              <a:defRPr/>
-            </a:pPr>
-            <a:r>
-              <a:rPr lang="en-US" sz="1200" kern="1200" dirty="0">
-                <a:solidFill>
-                  <a:schemeClr val="tx1"/>
-                </a:solidFill>
-                <a:effectLst/>
-                <a:latin typeface="+mn-lt"/>
-                <a:ea typeface="+mn-ea"/>
-                <a:cs typeface="+mn-cs"/>
-              </a:rPr>
-              <a:t>Also, unlike the baseline methods, our model does not rely on any hand-crafted rules or ad-hoc strategies, and is fully end-to-end trainable. </a:t>
-            </a:r>
-            <a:endParaRPr lang="en-US" dirty="0"/>
-          </a:p>
-          <a:p>
-            <a:pPr marL="0" marR="0" lvl="0" indent="0" algn="l" defTabSz="914400" rtl="0" eaLnBrk="1" fontAlgn="auto" latinLnBrk="0" hangingPunct="1">
-              <a:lnSpc>
-                <a:spcPct val="100000"/>
-              </a:lnSpc>
-              <a:spcBef>
-                <a:spcPts val="0"/>
-              </a:spcBef>
-              <a:spcAft>
-                <a:spcPts val="0"/>
-              </a:spcAft>
-              <a:buClrTx/>
-              <a:buSzTx/>
-              <a:buFontTx/>
-              <a:buNone/>
-              <a:tabLst/>
-              <a:defRPr/>
-            </a:pPr>
-            <a:endParaRPr lang="en-US" dirty="0"/>
-          </a:p>
-          <a:p>
             <a:endParaRPr lang="en-US" dirty="0"/>
           </a:p>
         </p:txBody>
@@ -1880,204 +1280,6 @@
           <a:bodyPr/>
           <a:lstStyle/>
           <a:p>
-            <a:pPr marL="0" marR="0" lvl="0" indent="0" algn="l" defTabSz="914400" rtl="0" eaLnBrk="1" fontAlgn="auto" latinLnBrk="0" hangingPunct="1">
-              <a:lnSpc>
-                <a:spcPct val="100000"/>
-              </a:lnSpc>
-              <a:spcBef>
-                <a:spcPts val="0"/>
-              </a:spcBef>
-              <a:spcAft>
-                <a:spcPts val="0"/>
-              </a:spcAft>
-              <a:buClrTx/>
-              <a:buSzTx/>
-              <a:buFontTx/>
-              <a:buNone/>
-              <a:tabLst/>
-              <a:defRPr/>
-            </a:pPr>
-            <a:r>
-              <a:rPr lang="en-US" sz="1200" kern="1200" dirty="0">
-                <a:solidFill>
-                  <a:schemeClr val="tx1"/>
-                </a:solidFill>
-                <a:effectLst/>
-                <a:latin typeface="+mn-lt"/>
-                <a:ea typeface="+mn-ea"/>
-                <a:cs typeface="+mn-cs"/>
-              </a:rPr>
-              <a:t>We asked 5 human evaluators to give feedback on the quality of questions generated by a set of anonymized competing systems. </a:t>
-            </a:r>
-            <a:endParaRPr lang="en-US" dirty="0"/>
-          </a:p>
-          <a:p>
-            <a:pPr marL="0" marR="0" lvl="0" indent="0" algn="l" defTabSz="914400" rtl="0" eaLnBrk="1" fontAlgn="auto" latinLnBrk="0" hangingPunct="1">
-              <a:lnSpc>
-                <a:spcPct val="100000"/>
-              </a:lnSpc>
-              <a:spcBef>
-                <a:spcPts val="0"/>
-              </a:spcBef>
-              <a:spcAft>
-                <a:spcPts val="0"/>
-              </a:spcAft>
-              <a:buClrTx/>
-              <a:buSzTx/>
-              <a:buFontTx/>
-              <a:buNone/>
-              <a:tabLst/>
-              <a:defRPr/>
-            </a:pPr>
-            <a:r>
-              <a:rPr lang="en-US" sz="1200" kern="1200" dirty="0" err="1">
-                <a:solidFill>
-                  <a:schemeClr val="tx1"/>
-                </a:solidFill>
-                <a:effectLst/>
-                <a:latin typeface="+mn-lt"/>
-                <a:ea typeface="+mn-ea"/>
-                <a:cs typeface="+mn-cs"/>
-              </a:rPr>
-              <a:t>i</a:t>
-            </a:r>
-            <a:r>
-              <a:rPr lang="en-US" sz="1200" kern="1200" dirty="0">
-                <a:solidFill>
-                  <a:schemeClr val="tx1"/>
-                </a:solidFill>
-                <a:effectLst/>
-                <a:latin typeface="+mn-lt"/>
-                <a:ea typeface="+mn-ea"/>
-                <a:cs typeface="+mn-cs"/>
-              </a:rPr>
-              <a:t>) is this generated question syntactically correct? ii) is this generated question semantically correct? and iii) is this generated question relevant to the passage? </a:t>
-            </a:r>
-          </a:p>
-          <a:p>
-            <a:pPr marL="0" marR="0" lvl="0" indent="0" algn="l" defTabSz="914400" rtl="0" eaLnBrk="1" fontAlgn="auto" latinLnBrk="0" hangingPunct="1">
-              <a:lnSpc>
-                <a:spcPct val="100000"/>
-              </a:lnSpc>
-              <a:spcBef>
-                <a:spcPts val="0"/>
-              </a:spcBef>
-              <a:spcAft>
-                <a:spcPts val="0"/>
-              </a:spcAft>
-              <a:buClrTx/>
-              <a:buSzTx/>
-              <a:buFontTx/>
-              <a:buNone/>
-              <a:tabLst/>
-              <a:defRPr/>
-            </a:pPr>
-            <a:r>
-              <a:rPr lang="en-US" sz="1200" kern="1200" dirty="0">
-                <a:solidFill>
-                  <a:schemeClr val="tx1"/>
-                </a:solidFill>
-                <a:effectLst/>
-                <a:latin typeface="+mn-lt"/>
-                <a:ea typeface="+mn-ea"/>
-                <a:cs typeface="+mn-cs"/>
-              </a:rPr>
-              <a:t>For each evaluation question, the rating scale is from 1 to 5 where a higher score means better quality (i.e., 1: Poor, 2: Marginal, 3: Acceptable, 4: Good, 5: Excellent). Responses from all evaluators were collected and averaged. </a:t>
-            </a:r>
-            <a:endParaRPr lang="en-US" dirty="0"/>
-          </a:p>
-          <a:p>
-            <a:pPr marL="0" marR="0" lvl="0" indent="0" algn="l" defTabSz="914400" rtl="0" eaLnBrk="1" fontAlgn="auto" latinLnBrk="0" hangingPunct="1">
-              <a:lnSpc>
-                <a:spcPct val="100000"/>
-              </a:lnSpc>
-              <a:spcBef>
-                <a:spcPts val="0"/>
-              </a:spcBef>
-              <a:spcAft>
-                <a:spcPts val="0"/>
-              </a:spcAft>
-              <a:buClrTx/>
-              <a:buSzTx/>
-              <a:buFontTx/>
-              <a:buNone/>
-              <a:tabLst/>
-              <a:defRPr/>
-            </a:pPr>
-            <a:endParaRPr lang="en-US" sz="1200" kern="1200" dirty="0">
-              <a:solidFill>
-                <a:schemeClr val="tx1"/>
-              </a:solidFill>
-              <a:effectLst/>
-              <a:latin typeface="+mn-lt"/>
-              <a:ea typeface="+mn-ea"/>
-              <a:cs typeface="+mn-cs"/>
-            </a:endParaRPr>
-          </a:p>
-          <a:p>
-            <a:pPr marL="0" marR="0" lvl="0" indent="0" algn="l" defTabSz="914400" rtl="0" eaLnBrk="1" fontAlgn="auto" latinLnBrk="0" hangingPunct="1">
-              <a:lnSpc>
-                <a:spcPct val="100000"/>
-              </a:lnSpc>
-              <a:spcBef>
-                <a:spcPts val="0"/>
-              </a:spcBef>
-              <a:spcAft>
-                <a:spcPts val="0"/>
-              </a:spcAft>
-              <a:buClrTx/>
-              <a:buSzTx/>
-              <a:buFontTx/>
-              <a:buNone/>
-              <a:tabLst/>
-              <a:defRPr/>
-            </a:pPr>
-            <a:r>
-              <a:rPr lang="en-US" sz="1200" kern="1200" dirty="0">
-                <a:solidFill>
-                  <a:schemeClr val="tx1"/>
-                </a:solidFill>
-                <a:effectLst/>
-                <a:latin typeface="+mn-lt"/>
-                <a:ea typeface="+mn-ea"/>
-                <a:cs typeface="+mn-cs"/>
-              </a:rPr>
-              <a:t>We can see that our best performing model achieves good results even compared to the ground-truth, and outperforms the strong baseline method MPQG+R. </a:t>
-            </a:r>
-          </a:p>
-          <a:p>
-            <a:pPr marL="0" marR="0" lvl="0" indent="0" algn="l" defTabSz="914400" rtl="0" eaLnBrk="1" fontAlgn="auto" latinLnBrk="0" hangingPunct="1">
-              <a:lnSpc>
-                <a:spcPct val="100000"/>
-              </a:lnSpc>
-              <a:spcBef>
-                <a:spcPts val="0"/>
-              </a:spcBef>
-              <a:spcAft>
-                <a:spcPts val="0"/>
-              </a:spcAft>
-              <a:buClrTx/>
-              <a:buSzTx/>
-              <a:buFontTx/>
-              <a:buNone/>
-              <a:tabLst/>
-              <a:defRPr/>
-            </a:pPr>
-            <a:r>
-              <a:rPr lang="en-US" sz="1200" kern="1200" dirty="0">
-                <a:solidFill>
-                  <a:schemeClr val="tx1"/>
-                </a:solidFill>
-                <a:effectLst/>
-                <a:latin typeface="+mn-lt"/>
-                <a:ea typeface="+mn-ea"/>
-                <a:cs typeface="+mn-cs"/>
-              </a:rPr>
-              <a:t>Our error analysis shows that main syntactic error occurs in repeated/unknown words in generated questions. Further, the slightly lower quality on semantics also impacts the relevance. </a:t>
-            </a:r>
-            <a:endParaRPr lang="en-US" dirty="0"/>
-          </a:p>
-          <a:p>
             <a:endParaRPr lang="en-US" dirty="0"/>
           </a:p>
         </p:txBody>
@@ -2246,121 +1448,6 @@
           <a:bodyPr/>
           <a:lstStyle/>
           <a:p>
-            <a:pPr marL="0" marR="0" lvl="0" indent="0" algn="l" defTabSz="914400" rtl="0" eaLnBrk="1" fontAlgn="auto" latinLnBrk="0" hangingPunct="1">
-              <a:lnSpc>
-                <a:spcPct val="100000"/>
-              </a:lnSpc>
-              <a:spcBef>
-                <a:spcPts val="0"/>
-              </a:spcBef>
-              <a:spcAft>
-                <a:spcPts val="0"/>
-              </a:spcAft>
-              <a:buClrTx/>
-              <a:buSzTx/>
-              <a:buFontTx/>
-              <a:buNone/>
-              <a:tabLst/>
-              <a:defRPr/>
-            </a:pPr>
-            <a:r>
-              <a:rPr lang="en-US" sz="1200" kern="1200" dirty="0">
-                <a:solidFill>
-                  <a:schemeClr val="tx1"/>
-                </a:solidFill>
-                <a:effectLst/>
-                <a:latin typeface="+mn-lt"/>
-                <a:ea typeface="+mn-ea"/>
-                <a:cs typeface="+mn-cs"/>
-              </a:rPr>
-              <a:t>incorporating answer information helps the model identify the answer type of the question to be generated, and thus makes the generated questions more relevant and specific. </a:t>
-            </a:r>
-          </a:p>
-          <a:p>
-            <a:pPr marL="0" marR="0" lvl="0" indent="0" algn="l" defTabSz="914400" rtl="0" eaLnBrk="1" fontAlgn="auto" latinLnBrk="0" hangingPunct="1">
-              <a:lnSpc>
-                <a:spcPct val="100000"/>
-              </a:lnSpc>
-              <a:spcBef>
-                <a:spcPts val="0"/>
-              </a:spcBef>
-              <a:spcAft>
-                <a:spcPts val="0"/>
-              </a:spcAft>
-              <a:buClrTx/>
-              <a:buSzTx/>
-              <a:buFontTx/>
-              <a:buNone/>
-              <a:tabLst/>
-              <a:defRPr/>
-            </a:pPr>
-            <a:r>
-              <a:rPr lang="en-US" sz="1200" kern="1200" dirty="0">
-                <a:solidFill>
-                  <a:schemeClr val="tx1"/>
-                </a:solidFill>
-                <a:effectLst/>
-                <a:latin typeface="+mn-lt"/>
-                <a:ea typeface="+mn-ea"/>
-                <a:cs typeface="+mn-cs"/>
-              </a:rPr>
-              <a:t>Graph2Seq model can generate more complete and valid questions compared to the Seq2Seq baseline. </a:t>
-            </a:r>
-            <a:endParaRPr lang="en-US" dirty="0"/>
-          </a:p>
-          <a:p>
-            <a:pPr marL="0" marR="0" lvl="0" indent="0" algn="l" defTabSz="914400" rtl="0" eaLnBrk="1" fontAlgn="auto" latinLnBrk="0" hangingPunct="1">
-              <a:lnSpc>
-                <a:spcPct val="100000"/>
-              </a:lnSpc>
-              <a:spcBef>
-                <a:spcPts val="0"/>
-              </a:spcBef>
-              <a:spcAft>
-                <a:spcPts val="0"/>
-              </a:spcAft>
-              <a:buClrTx/>
-              <a:buSzTx/>
-              <a:buFontTx/>
-              <a:buNone/>
-              <a:tabLst/>
-              <a:defRPr/>
-            </a:pPr>
-            <a:r>
-              <a:rPr lang="en-US" sz="1200" kern="1200" dirty="0">
-                <a:solidFill>
-                  <a:schemeClr val="tx1"/>
-                </a:solidFill>
-                <a:effectLst/>
-                <a:latin typeface="+mn-lt"/>
-                <a:ea typeface="+mn-ea"/>
-                <a:cs typeface="+mn-cs"/>
-              </a:rPr>
-              <a:t>fine-tuning the model using REINFORCE can improve the quality of the generated questions. </a:t>
-            </a:r>
-            <a:endParaRPr lang="en-US" dirty="0"/>
-          </a:p>
-          <a:p>
-            <a:pPr marL="0" marR="0" lvl="0" indent="0" algn="l" defTabSz="914400" rtl="0" eaLnBrk="1" fontAlgn="auto" latinLnBrk="0" hangingPunct="1">
-              <a:lnSpc>
-                <a:spcPct val="100000"/>
-              </a:lnSpc>
-              <a:spcBef>
-                <a:spcPts val="0"/>
-              </a:spcBef>
-              <a:spcAft>
-                <a:spcPts val="0"/>
-              </a:spcAft>
-              <a:buClrTx/>
-              <a:buSzTx/>
-              <a:buFontTx/>
-              <a:buNone/>
-              <a:tabLst/>
-              <a:defRPr/>
-            </a:pPr>
-            <a:endParaRPr lang="en-US" dirty="0"/>
-          </a:p>
-          <a:p>
             <a:endParaRPr lang="en-US" dirty="0"/>
           </a:p>
         </p:txBody>
@@ -3876,10 +2963,7 @@
           <a:bodyPr/>
           <a:lstStyle/>
           <a:p>
-            <a:r>
-              <a:rPr lang="en-US" dirty="0"/>
-              <a:t>The motivation of our work is driven by some limitations of previous QG methods.</a:t>
-            </a:r>
+            <a:endParaRPr lang="en-US" dirty="0"/>
           </a:p>
         </p:txBody>
       </p:sp>
@@ -3963,50 +3047,6 @@
           <a:bodyPr/>
           <a:lstStyle/>
           <a:p>
-            <a:r>
-              <a:rPr lang="en-US" dirty="0"/>
-              <a:t>Talk about exact alignment first: exact text matching, does not capture semantic meanings</a:t>
-            </a:r>
-          </a:p>
-          <a:p>
-            <a:pPr marL="0" marR="0" lvl="0" indent="0" algn="l" defTabSz="914400" rtl="0" eaLnBrk="1" fontAlgn="auto" latinLnBrk="0" hangingPunct="1">
-              <a:lnSpc>
-                <a:spcPct val="100000"/>
-              </a:lnSpc>
-              <a:spcBef>
-                <a:spcPts val="0"/>
-              </a:spcBef>
-              <a:spcAft>
-                <a:spcPts val="0"/>
-              </a:spcAft>
-              <a:buClrTx/>
-              <a:buSzTx/>
-              <a:buFontTx/>
-              <a:buNone/>
-              <a:tabLst/>
-              <a:defRPr/>
-            </a:pPr>
-            <a:r>
-              <a:rPr lang="en-US" sz="1200" kern="1200" dirty="0">
-                <a:solidFill>
-                  <a:schemeClr val="tx1"/>
-                </a:solidFill>
-                <a:effectLst/>
-                <a:latin typeface="+mn-lt"/>
-                <a:ea typeface="+mn-ea"/>
-                <a:cs typeface="+mn-cs"/>
-              </a:rPr>
-              <a:t>Unlike previous methods that neglect potential semantic relations between passage and answer words, we explicitly model the global interactions among them in the embedding space. </a:t>
-            </a:r>
-            <a:endParaRPr lang="en-US" dirty="0"/>
-          </a:p>
-          <a:p>
-            <a:endParaRPr lang="en-US" dirty="0"/>
-          </a:p>
-          <a:p>
-            <a:endParaRPr lang="en-US" dirty="0"/>
-          </a:p>
-          <a:p>
             <a:endParaRPr lang="en-US" dirty="0"/>
           </a:p>
         </p:txBody>
@@ -4108,42 +3148,6 @@
               <a:tabLst/>
               <a:defRPr/>
             </a:pPr>
-            <a:r>
-              <a:rPr lang="en-US" sz="1200" kern="1200" dirty="0">
-                <a:solidFill>
-                  <a:schemeClr val="tx1"/>
-                </a:solidFill>
-                <a:effectLst/>
-                <a:latin typeface="+mn-lt"/>
-                <a:ea typeface="+mn-ea"/>
-                <a:cs typeface="+mn-cs"/>
-              </a:rPr>
-              <a:t>Let </a:t>
-            </a:r>
-            <a:r>
-              <a:rPr lang="en-US" sz="1200" kern="1200" dirty="0" err="1">
-                <a:solidFill>
-                  <a:schemeClr val="tx1"/>
-                </a:solidFill>
-                <a:effectLst/>
-                <a:latin typeface="+mn-lt"/>
-                <a:ea typeface="+mn-ea"/>
-                <a:cs typeface="+mn-cs"/>
-              </a:rPr>
-              <a:t>X^p</a:t>
-            </a:r>
-            <a:r>
-              <a:rPr lang="en-US" sz="1200" kern="1200" dirty="0">
-                <a:solidFill>
-                  <a:schemeClr val="tx1"/>
-                </a:solidFill>
-                <a:effectLst/>
-                <a:latin typeface="+mn-lt"/>
-                <a:ea typeface="+mn-ea"/>
-                <a:cs typeface="+mn-cs"/>
-              </a:rPr>
-              <a:t> and \tilde{X}^p denote two embeddings associated with passage text </a:t>
-            </a:r>
             <a:endParaRPr lang="en-US" dirty="0"/>
           </a:p>
         </p:txBody>
@@ -4245,42 +3249,6 @@
               <a:tabLst/>
               <a:defRPr/>
             </a:pPr>
-            <a:r>
-              <a:rPr lang="en-US" sz="1200" kern="1200" dirty="0">
-                <a:solidFill>
-                  <a:schemeClr val="tx1"/>
-                </a:solidFill>
-                <a:effectLst/>
-                <a:latin typeface="+mn-lt"/>
-                <a:ea typeface="+mn-ea"/>
-                <a:cs typeface="+mn-cs"/>
-              </a:rPr>
-              <a:t>Let </a:t>
-            </a:r>
-            <a:r>
-              <a:rPr lang="en-US" sz="1200" kern="1200" dirty="0" err="1">
-                <a:solidFill>
-                  <a:schemeClr val="tx1"/>
-                </a:solidFill>
-                <a:effectLst/>
-                <a:latin typeface="+mn-lt"/>
-                <a:ea typeface="+mn-ea"/>
-                <a:cs typeface="+mn-cs"/>
-              </a:rPr>
-              <a:t>X^p</a:t>
-            </a:r>
-            <a:r>
-              <a:rPr lang="en-US" sz="1200" kern="1200" dirty="0">
-                <a:solidFill>
-                  <a:schemeClr val="tx1"/>
-                </a:solidFill>
-                <a:effectLst/>
-                <a:latin typeface="+mn-lt"/>
-                <a:ea typeface="+mn-ea"/>
-                <a:cs typeface="+mn-cs"/>
-              </a:rPr>
-              <a:t> and \tilde{X}^p denote two embeddings associated with passage text </a:t>
-            </a:r>
             <a:endParaRPr lang="en-US" dirty="0"/>
           </a:p>
         </p:txBody>
@@ -4552,7 +3520,7 @@
           <a:p>
             <a:fld id="{164DF740-D5E6-CB4C-8F0A-BBC43DF86654}" type="datetimeFigureOut">
               <a:rPr lang="en-US" smtClean="0"/>
-              <a:t>4/28/20</a:t>
+              <a:t>1/2/21</a:t>
             </a:fld>
             <a:endParaRPr lang="en-US"/>
           </a:p>
@@ -4750,7 +3718,7 @@
           <a:p>
             <a:fld id="{164DF740-D5E6-CB4C-8F0A-BBC43DF86654}" type="datetimeFigureOut">
               <a:rPr lang="en-US" smtClean="0"/>
-              <a:t>4/28/20</a:t>
+              <a:t>1/2/21</a:t>
             </a:fld>
             <a:endParaRPr lang="en-US"/>
           </a:p>
@@ -4958,7 +3926,7 @@
           <a:p>
             <a:fld id="{164DF740-D5E6-CB4C-8F0A-BBC43DF86654}" type="datetimeFigureOut">
               <a:rPr lang="en-US" smtClean="0"/>
-              <a:t>4/28/20</a:t>
+              <a:t>1/2/21</a:t>
             </a:fld>
             <a:endParaRPr lang="en-US"/>
           </a:p>
@@ -5156,7 +4124,7 @@
           <a:p>
             <a:fld id="{164DF740-D5E6-CB4C-8F0A-BBC43DF86654}" type="datetimeFigureOut">
               <a:rPr lang="en-US" smtClean="0"/>
-              <a:t>4/28/20</a:t>
+              <a:t>1/2/21</a:t>
             </a:fld>
             <a:endParaRPr lang="en-US"/>
           </a:p>
@@ -5431,7 +4399,7 @@
           <a:p>
             <a:fld id="{164DF740-D5E6-CB4C-8F0A-BBC43DF86654}" type="datetimeFigureOut">
               <a:rPr lang="en-US" smtClean="0"/>
-              <a:t>4/28/20</a:t>
+              <a:t>1/2/21</a:t>
             </a:fld>
             <a:endParaRPr lang="en-US"/>
           </a:p>
@@ -5696,7 +4664,7 @@
           <a:p>
             <a:fld id="{164DF740-D5E6-CB4C-8F0A-BBC43DF86654}" type="datetimeFigureOut">
               <a:rPr lang="en-US" smtClean="0"/>
-              <a:t>4/28/20</a:t>
+              <a:t>1/2/21</a:t>
             </a:fld>
             <a:endParaRPr lang="en-US"/>
           </a:p>
@@ -6108,7 +5076,7 @@
           <a:p>
             <a:fld id="{164DF740-D5E6-CB4C-8F0A-BBC43DF86654}" type="datetimeFigureOut">
               <a:rPr lang="en-US" smtClean="0"/>
-              <a:t>4/28/20</a:t>
+              <a:t>1/2/21</a:t>
             </a:fld>
             <a:endParaRPr lang="en-US"/>
           </a:p>
@@ -6249,7 +5217,7 @@
           <a:p>
             <a:fld id="{164DF740-D5E6-CB4C-8F0A-BBC43DF86654}" type="datetimeFigureOut">
               <a:rPr lang="en-US" smtClean="0"/>
-              <a:t>4/28/20</a:t>
+              <a:t>1/2/21</a:t>
             </a:fld>
             <a:endParaRPr lang="en-US"/>
           </a:p>
@@ -6362,7 +5330,7 @@
           <a:p>
             <a:fld id="{164DF740-D5E6-CB4C-8F0A-BBC43DF86654}" type="datetimeFigureOut">
               <a:rPr lang="en-US" smtClean="0"/>
-              <a:t>4/28/20</a:t>
+              <a:t>1/2/21</a:t>
             </a:fld>
             <a:endParaRPr lang="en-US"/>
           </a:p>
@@ -6673,7 +5641,7 @@
           <a:p>
             <a:fld id="{164DF740-D5E6-CB4C-8F0A-BBC43DF86654}" type="datetimeFigureOut">
               <a:rPr lang="en-US" smtClean="0"/>
-              <a:t>4/28/20</a:t>
+              <a:t>1/2/21</a:t>
             </a:fld>
             <a:endParaRPr lang="en-US"/>
           </a:p>
@@ -6961,7 +5929,7 @@
           <a:p>
             <a:fld id="{164DF740-D5E6-CB4C-8F0A-BBC43DF86654}" type="datetimeFigureOut">
               <a:rPr lang="en-US" smtClean="0"/>
-              <a:t>4/28/20</a:t>
+              <a:t>1/2/21</a:t>
             </a:fld>
             <a:endParaRPr lang="en-US"/>
           </a:p>
@@ -7202,7 +6170,7 @@
           <a:p>
             <a:fld id="{164DF740-D5E6-CB4C-8F0A-BBC43DF86654}" type="datetimeFigureOut">
               <a:rPr lang="en-US" smtClean="0"/>
-              <a:t>4/28/20</a:t>
+              <a:t>1/2/21</a:t>
             </a:fld>
             <a:endParaRPr lang="en-US"/>
           </a:p>
